--- a/PowerBI_meetup_10th_public.pptx
+++ b/PowerBI_meetup_10th_public.pptx
@@ -2,26 +2,27 @@
 <file path=ppt/presentation.xml><?xml version="1.0" encoding="utf-8"?>
 <p:presentation xmlns:a="http://schemas.openxmlformats.org/drawingml/2006/main" xmlns:r="http://schemas.openxmlformats.org/officeDocument/2006/relationships" xmlns:p="http://schemas.openxmlformats.org/presentationml/2006/main" saveSubsetFonts="1">
   <p:sldMasterIdLst>
-    <p:sldMasterId id="2147483648" r:id="rId4"/>
+    <p:sldMasterId id="2147483648" r:id="rId1"/>
   </p:sldMasterIdLst>
   <p:notesMasterIdLst>
-    <p:notesMasterId r:id="rId19"/>
+    <p:notesMasterId r:id="rId17"/>
   </p:notesMasterIdLst>
   <p:sldIdLst>
-    <p:sldId id="256" r:id="rId5"/>
-    <p:sldId id="257" r:id="rId6"/>
-    <p:sldId id="298" r:id="rId7"/>
-    <p:sldId id="289" r:id="rId8"/>
-    <p:sldId id="308" r:id="rId9"/>
-    <p:sldId id="310" r:id="rId10"/>
-    <p:sldId id="311" r:id="rId11"/>
-    <p:sldId id="312" r:id="rId12"/>
-    <p:sldId id="290" r:id="rId13"/>
-    <p:sldId id="307" r:id="rId14"/>
-    <p:sldId id="309" r:id="rId15"/>
-    <p:sldId id="291" r:id="rId16"/>
-    <p:sldId id="313" r:id="rId17"/>
-    <p:sldId id="301" r:id="rId18"/>
+    <p:sldId id="256" r:id="rId2"/>
+    <p:sldId id="257" r:id="rId3"/>
+    <p:sldId id="298" r:id="rId4"/>
+    <p:sldId id="289" r:id="rId5"/>
+    <p:sldId id="308" r:id="rId6"/>
+    <p:sldId id="310" r:id="rId7"/>
+    <p:sldId id="307" r:id="rId8"/>
+    <p:sldId id="311" r:id="rId9"/>
+    <p:sldId id="312" r:id="rId10"/>
+    <p:sldId id="290" r:id="rId11"/>
+    <p:sldId id="314" r:id="rId12"/>
+    <p:sldId id="309" r:id="rId13"/>
+    <p:sldId id="291" r:id="rId14"/>
+    <p:sldId id="313" r:id="rId15"/>
+    <p:sldId id="301" r:id="rId16"/>
   </p:sldIdLst>
   <p:sldSz cx="12192000" cy="6858000"/>
   <p:notesSz cx="6858000" cy="9144000"/>
@@ -131,10 +132,11 @@
             <p14:sldId id="289"/>
             <p14:sldId id="308"/>
             <p14:sldId id="310"/>
+            <p14:sldId id="307"/>
             <p14:sldId id="311"/>
             <p14:sldId id="312"/>
             <p14:sldId id="290"/>
-            <p14:sldId id="307"/>
+            <p14:sldId id="314"/>
             <p14:sldId id="309"/>
             <p14:sldId id="291"/>
             <p14:sldId id="313"/>
@@ -659,7 +661,7 @@
           <a:p>
             <a:fld id="{728D9DD3-6489-4DAE-A188-F6B083F1C070}" type="slidenum">
               <a:rPr lang="hu-HU" smtClean="0"/>
-              <a:t>13</a:t>
+              <a:t>10</a:t>
             </a:fld>
             <a:endParaRPr lang="hu-HU"/>
           </a:p>
@@ -668,7 +670,7 @@
     </p:spTree>
     <p:extLst>
       <p:ext uri="{BB962C8B-B14F-4D97-AF65-F5344CB8AC3E}">
-        <p14:creationId xmlns:p14="http://schemas.microsoft.com/office/powerpoint/2010/main" val="2954737396"/>
+        <p14:creationId xmlns:p14="http://schemas.microsoft.com/office/powerpoint/2010/main" val="838062934"/>
       </p:ext>
     </p:extLst>
   </p:cSld>
@@ -722,7 +724,7 @@
           <a:bodyPr/>
           <a:lstStyle/>
           <a:p>
-            <a:endParaRPr lang="en-US">
+            <a:endParaRPr lang="en-US" dirty="0">
               <a:latin typeface="Calibri"/>
               <a:cs typeface="Calibri"/>
             </a:endParaRPr>
@@ -746,7 +748,346 @@
           <a:p>
             <a:fld id="{728D9DD3-6489-4DAE-A188-F6B083F1C070}" type="slidenum">
               <a:rPr lang="hu-HU" smtClean="0"/>
+              <a:t>11</a:t>
+            </a:fld>
+            <a:endParaRPr lang="hu-HU"/>
+          </a:p>
+        </p:txBody>
+      </p:sp>
+    </p:spTree>
+    <p:extLst>
+      <p:ext uri="{BB962C8B-B14F-4D97-AF65-F5344CB8AC3E}">
+        <p14:creationId xmlns:p14="http://schemas.microsoft.com/office/powerpoint/2010/main" val="2819866028"/>
+      </p:ext>
+    </p:extLst>
+  </p:cSld>
+  <p:clrMapOvr>
+    <a:masterClrMapping/>
+  </p:clrMapOvr>
+</p:notes>
+</file>
+
+<file path=ppt/notesSlides/notesSlide12.xml><?xml version="1.0" encoding="utf-8"?>
+<p:notes xmlns:a="http://schemas.openxmlformats.org/drawingml/2006/main" xmlns:r="http://schemas.openxmlformats.org/officeDocument/2006/relationships" xmlns:p="http://schemas.openxmlformats.org/presentationml/2006/main">
+  <p:cSld>
+    <p:spTree>
+      <p:nvGrpSpPr>
+        <p:cNvPr id="1" name=""/>
+        <p:cNvGrpSpPr/>
+        <p:nvPr/>
+      </p:nvGrpSpPr>
+      <p:grpSpPr>
+        <a:xfrm>
+          <a:off x="0" y="0"/>
+          <a:ext cx="0" cy="0"/>
+          <a:chOff x="0" y="0"/>
+          <a:chExt cx="0" cy="0"/>
+        </a:xfrm>
+      </p:grpSpPr>
+      <p:sp>
+        <p:nvSpPr>
+          <p:cNvPr id="2" name="Diakép helye 1"/>
+          <p:cNvSpPr>
+            <a:spLocks noGrp="1" noRot="1" noChangeAspect="1"/>
+          </p:cNvSpPr>
+          <p:nvPr>
+            <p:ph type="sldImg"/>
+          </p:nvPr>
+        </p:nvSpPr>
+        <p:spPr/>
+      </p:sp>
+      <p:sp>
+        <p:nvSpPr>
+          <p:cNvPr id="3" name="Jegyzetek helye 2"/>
+          <p:cNvSpPr>
+            <a:spLocks noGrp="1"/>
+          </p:cNvSpPr>
+          <p:nvPr>
+            <p:ph type="body" idx="1"/>
+          </p:nvPr>
+        </p:nvSpPr>
+        <p:spPr/>
+        <p:txBody>
+          <a:bodyPr/>
+          <a:lstStyle/>
+          <a:p>
+            <a:endParaRPr lang="hu-HU" dirty="0"/>
+          </a:p>
+        </p:txBody>
+      </p:sp>
+      <p:sp>
+        <p:nvSpPr>
+          <p:cNvPr id="4" name="Dia számának helye 3"/>
+          <p:cNvSpPr>
+            <a:spLocks noGrp="1"/>
+          </p:cNvSpPr>
+          <p:nvPr>
+            <p:ph type="sldNum" sz="quarter" idx="5"/>
+          </p:nvPr>
+        </p:nvSpPr>
+        <p:spPr/>
+        <p:txBody>
+          <a:bodyPr/>
+          <a:lstStyle/>
+          <a:p>
+            <a:fld id="{728D9DD3-6489-4DAE-A188-F6B083F1C070}" type="slidenum">
+              <a:rPr lang="hu-HU" smtClean="0"/>
+              <a:t>12</a:t>
+            </a:fld>
+            <a:endParaRPr lang="hu-HU"/>
+          </a:p>
+        </p:txBody>
+      </p:sp>
+    </p:spTree>
+    <p:extLst>
+      <p:ext uri="{BB962C8B-B14F-4D97-AF65-F5344CB8AC3E}">
+        <p14:creationId xmlns:p14="http://schemas.microsoft.com/office/powerpoint/2010/main" val="3428185684"/>
+      </p:ext>
+    </p:extLst>
+  </p:cSld>
+  <p:clrMapOvr>
+    <a:masterClrMapping/>
+  </p:clrMapOvr>
+</p:notes>
+</file>
+
+<file path=ppt/notesSlides/notesSlide13.xml><?xml version="1.0" encoding="utf-8"?>
+<p:notes xmlns:a="http://schemas.openxmlformats.org/drawingml/2006/main" xmlns:r="http://schemas.openxmlformats.org/officeDocument/2006/relationships" xmlns:p="http://schemas.openxmlformats.org/presentationml/2006/main">
+  <p:cSld>
+    <p:spTree>
+      <p:nvGrpSpPr>
+        <p:cNvPr id="1" name=""/>
+        <p:cNvGrpSpPr/>
+        <p:nvPr/>
+      </p:nvGrpSpPr>
+      <p:grpSpPr>
+        <a:xfrm>
+          <a:off x="0" y="0"/>
+          <a:ext cx="0" cy="0"/>
+          <a:chOff x="0" y="0"/>
+          <a:chExt cx="0" cy="0"/>
+        </a:xfrm>
+      </p:grpSpPr>
+      <p:sp>
+        <p:nvSpPr>
+          <p:cNvPr id="2" name="Diakép helye 1"/>
+          <p:cNvSpPr>
+            <a:spLocks noGrp="1" noRot="1" noChangeAspect="1"/>
+          </p:cNvSpPr>
+          <p:nvPr>
+            <p:ph type="sldImg"/>
+          </p:nvPr>
+        </p:nvSpPr>
+        <p:spPr/>
+      </p:sp>
+      <p:sp>
+        <p:nvSpPr>
+          <p:cNvPr id="3" name="Jegyzetek helye 2"/>
+          <p:cNvSpPr>
+            <a:spLocks noGrp="1"/>
+          </p:cNvSpPr>
+          <p:nvPr>
+            <p:ph type="body" idx="1"/>
+          </p:nvPr>
+        </p:nvSpPr>
+        <p:spPr/>
+        <p:txBody>
+          <a:bodyPr/>
+          <a:lstStyle/>
+          <a:p>
+            <a:endParaRPr lang="hu-HU" dirty="0"/>
+          </a:p>
+        </p:txBody>
+      </p:sp>
+      <p:sp>
+        <p:nvSpPr>
+          <p:cNvPr id="4" name="Dia számának helye 3"/>
+          <p:cNvSpPr>
+            <a:spLocks noGrp="1"/>
+          </p:cNvSpPr>
+          <p:nvPr>
+            <p:ph type="sldNum" sz="quarter" idx="5"/>
+          </p:nvPr>
+        </p:nvSpPr>
+        <p:spPr/>
+        <p:txBody>
+          <a:bodyPr/>
+          <a:lstStyle/>
+          <a:p>
+            <a:fld id="{728D9DD3-6489-4DAE-A188-F6B083F1C070}" type="slidenum">
+              <a:rPr lang="hu-HU" smtClean="0"/>
+              <a:t>13</a:t>
+            </a:fld>
+            <a:endParaRPr lang="hu-HU"/>
+          </a:p>
+        </p:txBody>
+      </p:sp>
+    </p:spTree>
+    <p:extLst>
+      <p:ext uri="{BB962C8B-B14F-4D97-AF65-F5344CB8AC3E}">
+        <p14:creationId xmlns:p14="http://schemas.microsoft.com/office/powerpoint/2010/main" val="2142219895"/>
+      </p:ext>
+    </p:extLst>
+  </p:cSld>
+  <p:clrMapOvr>
+    <a:masterClrMapping/>
+  </p:clrMapOvr>
+</p:notes>
+</file>
+
+<file path=ppt/notesSlides/notesSlide14.xml><?xml version="1.0" encoding="utf-8"?>
+<p:notes xmlns:a="http://schemas.openxmlformats.org/drawingml/2006/main" xmlns:r="http://schemas.openxmlformats.org/officeDocument/2006/relationships" xmlns:p="http://schemas.openxmlformats.org/presentationml/2006/main">
+  <p:cSld>
+    <p:spTree>
+      <p:nvGrpSpPr>
+        <p:cNvPr id="1" name=""/>
+        <p:cNvGrpSpPr/>
+        <p:nvPr/>
+      </p:nvGrpSpPr>
+      <p:grpSpPr>
+        <a:xfrm>
+          <a:off x="0" y="0"/>
+          <a:ext cx="0" cy="0"/>
+          <a:chOff x="0" y="0"/>
+          <a:chExt cx="0" cy="0"/>
+        </a:xfrm>
+      </p:grpSpPr>
+      <p:sp>
+        <p:nvSpPr>
+          <p:cNvPr id="2" name="Diakép helye 1"/>
+          <p:cNvSpPr>
+            <a:spLocks noGrp="1" noRot="1" noChangeAspect="1"/>
+          </p:cNvSpPr>
+          <p:nvPr>
+            <p:ph type="sldImg"/>
+          </p:nvPr>
+        </p:nvSpPr>
+        <p:spPr/>
+      </p:sp>
+      <p:sp>
+        <p:nvSpPr>
+          <p:cNvPr id="3" name="Jegyzetek helye 2"/>
+          <p:cNvSpPr>
+            <a:spLocks noGrp="1"/>
+          </p:cNvSpPr>
+          <p:nvPr>
+            <p:ph type="body" idx="1"/>
+          </p:nvPr>
+        </p:nvSpPr>
+        <p:spPr/>
+        <p:txBody>
+          <a:bodyPr/>
+          <a:lstStyle/>
+          <a:p>
+            <a:endParaRPr lang="hu-HU" dirty="0"/>
+          </a:p>
+        </p:txBody>
+      </p:sp>
+      <p:sp>
+        <p:nvSpPr>
+          <p:cNvPr id="4" name="Dia számának helye 3"/>
+          <p:cNvSpPr>
+            <a:spLocks noGrp="1"/>
+          </p:cNvSpPr>
+          <p:nvPr>
+            <p:ph type="sldNum" sz="quarter" idx="5"/>
+          </p:nvPr>
+        </p:nvSpPr>
+        <p:spPr/>
+        <p:txBody>
+          <a:bodyPr/>
+          <a:lstStyle/>
+          <a:p>
+            <a:fld id="{728D9DD3-6489-4DAE-A188-F6B083F1C070}" type="slidenum">
+              <a:rPr lang="hu-HU" smtClean="0"/>
               <a:t>14</a:t>
+            </a:fld>
+            <a:endParaRPr lang="hu-HU"/>
+          </a:p>
+        </p:txBody>
+      </p:sp>
+    </p:spTree>
+    <p:extLst>
+      <p:ext uri="{BB962C8B-B14F-4D97-AF65-F5344CB8AC3E}">
+        <p14:creationId xmlns:p14="http://schemas.microsoft.com/office/powerpoint/2010/main" val="2954737396"/>
+      </p:ext>
+    </p:extLst>
+  </p:cSld>
+  <p:clrMapOvr>
+    <a:masterClrMapping/>
+  </p:clrMapOvr>
+</p:notes>
+</file>
+
+<file path=ppt/notesSlides/notesSlide15.xml><?xml version="1.0" encoding="utf-8"?>
+<p:notes xmlns:a="http://schemas.openxmlformats.org/drawingml/2006/main" xmlns:r="http://schemas.openxmlformats.org/officeDocument/2006/relationships" xmlns:p="http://schemas.openxmlformats.org/presentationml/2006/main">
+  <p:cSld>
+    <p:spTree>
+      <p:nvGrpSpPr>
+        <p:cNvPr id="1" name=""/>
+        <p:cNvGrpSpPr/>
+        <p:nvPr/>
+      </p:nvGrpSpPr>
+      <p:grpSpPr>
+        <a:xfrm>
+          <a:off x="0" y="0"/>
+          <a:ext cx="0" cy="0"/>
+          <a:chOff x="0" y="0"/>
+          <a:chExt cx="0" cy="0"/>
+        </a:xfrm>
+      </p:grpSpPr>
+      <p:sp>
+        <p:nvSpPr>
+          <p:cNvPr id="2" name="Slide Image Placeholder 1"/>
+          <p:cNvSpPr>
+            <a:spLocks noGrp="1" noRot="1" noChangeAspect="1"/>
+          </p:cNvSpPr>
+          <p:nvPr>
+            <p:ph type="sldImg"/>
+          </p:nvPr>
+        </p:nvSpPr>
+        <p:spPr/>
+      </p:sp>
+      <p:sp>
+        <p:nvSpPr>
+          <p:cNvPr id="3" name="Notes Placeholder 2"/>
+          <p:cNvSpPr>
+            <a:spLocks noGrp="1"/>
+          </p:cNvSpPr>
+          <p:nvPr>
+            <p:ph type="body" idx="1"/>
+          </p:nvPr>
+        </p:nvSpPr>
+        <p:spPr/>
+        <p:txBody>
+          <a:bodyPr/>
+          <a:lstStyle/>
+          <a:p>
+            <a:endParaRPr lang="en-US" dirty="0">
+              <a:latin typeface="Calibri"/>
+              <a:cs typeface="Calibri"/>
+            </a:endParaRPr>
+          </a:p>
+        </p:txBody>
+      </p:sp>
+      <p:sp>
+        <p:nvSpPr>
+          <p:cNvPr id="4" name="Slide Number Placeholder 3"/>
+          <p:cNvSpPr>
+            <a:spLocks noGrp="1"/>
+          </p:cNvSpPr>
+          <p:nvPr>
+            <p:ph type="sldNum" sz="quarter" idx="5"/>
+          </p:nvPr>
+        </p:nvSpPr>
+        <p:spPr/>
+        <p:txBody>
+          <a:bodyPr/>
+          <a:lstStyle/>
+          <a:p>
+            <a:fld id="{728D9DD3-6489-4DAE-A188-F6B083F1C070}" type="slidenum">
+              <a:rPr lang="hu-HU" smtClean="0"/>
+              <a:t>15</a:t>
             </a:fld>
             <a:endParaRPr lang="hu-HU"/>
           </a:p>
@@ -1239,7 +1580,6 @@
           <a:p>
             <a:endParaRPr lang="en-US" dirty="0">
               <a:latin typeface="Calibri"/>
-              <a:ea typeface="Calibri"/>
               <a:cs typeface="Calibri"/>
             </a:endParaRPr>
           </a:p>
@@ -1271,7 +1611,7 @@
     </p:spTree>
     <p:extLst>
       <p:ext uri="{BB962C8B-B14F-4D97-AF65-F5344CB8AC3E}">
-        <p14:creationId xmlns:p14="http://schemas.microsoft.com/office/powerpoint/2010/main" val="987416183"/>
+        <p14:creationId xmlns:p14="http://schemas.microsoft.com/office/powerpoint/2010/main" val="1974428091"/>
       </p:ext>
     </p:extLst>
   </p:cSld>
@@ -1325,7 +1665,11 @@
           <a:bodyPr/>
           <a:lstStyle/>
           <a:p>
-            <a:endParaRPr lang="en-US" dirty="0"/>
+            <a:endParaRPr lang="en-US" dirty="0">
+              <a:latin typeface="Calibri"/>
+              <a:ea typeface="Calibri"/>
+              <a:cs typeface="Calibri"/>
+            </a:endParaRPr>
           </a:p>
         </p:txBody>
       </p:sp>
@@ -1355,7 +1699,7 @@
     </p:spTree>
     <p:extLst>
       <p:ext uri="{BB962C8B-B14F-4D97-AF65-F5344CB8AC3E}">
-        <p14:creationId xmlns:p14="http://schemas.microsoft.com/office/powerpoint/2010/main" val="4231741332"/>
+        <p14:creationId xmlns:p14="http://schemas.microsoft.com/office/powerpoint/2010/main" val="987416183"/>
       </p:ext>
     </p:extLst>
   </p:cSld>
@@ -1409,10 +1753,7 @@
           <a:bodyPr/>
           <a:lstStyle/>
           <a:p>
-            <a:endParaRPr lang="en-US">
-              <a:latin typeface="Calibri"/>
-              <a:cs typeface="Calibri"/>
-            </a:endParaRPr>
+            <a:endParaRPr lang="en-US" dirty="0"/>
           </a:p>
         </p:txBody>
       </p:sp>
@@ -1433,7 +1774,7 @@
           <a:p>
             <a:fld id="{728D9DD3-6489-4DAE-A188-F6B083F1C070}" type="slidenum">
               <a:rPr lang="hu-HU" smtClean="0"/>
-              <a:t>10</a:t>
+              <a:t>9</a:t>
             </a:fld>
             <a:endParaRPr lang="hu-HU"/>
           </a:p>
@@ -1442,7 +1783,7 @@
     </p:spTree>
     <p:extLst>
       <p:ext uri="{BB962C8B-B14F-4D97-AF65-F5344CB8AC3E}">
-        <p14:creationId xmlns:p14="http://schemas.microsoft.com/office/powerpoint/2010/main" val="1974428091"/>
+        <p14:creationId xmlns:p14="http://schemas.microsoft.com/office/powerpoint/2010/main" val="4231741332"/>
       </p:ext>
     </p:extLst>
   </p:cSld>
@@ -4344,6 +4685,97 @@
   <p:cSld>
     <p:spTree>
       <p:nvGrpSpPr>
+        <p:cNvPr id="1" name=""/>
+        <p:cNvGrpSpPr/>
+        <p:nvPr/>
+      </p:nvGrpSpPr>
+      <p:grpSpPr>
+        <a:xfrm>
+          <a:off x="0" y="0"/>
+          <a:ext cx="0" cy="0"/>
+          <a:chOff x="0" y="0"/>
+          <a:chExt cx="0" cy="0"/>
+        </a:xfrm>
+      </p:grpSpPr>
+      <p:sp>
+        <p:nvSpPr>
+          <p:cNvPr id="2" name="Title 1">
+            <a:extLst>
+              <a:ext uri="{FF2B5EF4-FFF2-40B4-BE49-F238E27FC236}">
+                <a16:creationId xmlns:a16="http://schemas.microsoft.com/office/drawing/2014/main" id="{1E90F7AD-A706-5133-E144-6ED49727F604}"/>
+              </a:ext>
+            </a:extLst>
+          </p:cNvPr>
+          <p:cNvSpPr>
+            <a:spLocks noGrp="1"/>
+          </p:cNvSpPr>
+          <p:nvPr>
+            <p:ph type="title"/>
+          </p:nvPr>
+        </p:nvSpPr>
+        <p:spPr/>
+        <p:txBody>
+          <a:bodyPr/>
+          <a:lstStyle/>
+          <a:p>
+            <a:r>
+              <a:rPr lang="en-US" dirty="0">
+                <a:latin typeface="Nunito Sans"/>
+              </a:rPr>
+              <a:t>Our solution's architecture</a:t>
+            </a:r>
+            <a:endParaRPr lang="en-US" dirty="0"/>
+          </a:p>
+        </p:txBody>
+      </p:sp>
+      <p:pic>
+        <p:nvPicPr>
+          <p:cNvPr id="3" name="Picture 2">
+            <a:extLst>
+              <a:ext uri="{FF2B5EF4-FFF2-40B4-BE49-F238E27FC236}">
+                <a16:creationId xmlns:a16="http://schemas.microsoft.com/office/drawing/2014/main" id="{5D72F331-5E50-A913-43DA-5EF7CFAEC4E8}"/>
+              </a:ext>
+            </a:extLst>
+          </p:cNvPr>
+          <p:cNvPicPr>
+            <a:picLocks noChangeAspect="1"/>
+          </p:cNvPicPr>
+          <p:nvPr/>
+        </p:nvPicPr>
+        <p:blipFill>
+          <a:blip r:embed="rId3"/>
+          <a:stretch>
+            <a:fillRect/>
+          </a:stretch>
+        </p:blipFill>
+        <p:spPr>
+          <a:xfrm>
+            <a:off x="0" y="1714915"/>
+            <a:ext cx="12192000" cy="3791027"/>
+          </a:xfrm>
+          <a:prstGeom prst="rect">
+            <a:avLst/>
+          </a:prstGeom>
+        </p:spPr>
+      </p:pic>
+    </p:spTree>
+    <p:extLst>
+      <p:ext uri="{BB962C8B-B14F-4D97-AF65-F5344CB8AC3E}">
+        <p14:creationId xmlns:p14="http://schemas.microsoft.com/office/powerpoint/2010/main" val="3440142585"/>
+      </p:ext>
+    </p:extLst>
+  </p:cSld>
+  <p:clrMapOvr>
+    <a:masterClrMapping/>
+  </p:clrMapOvr>
+</p:sld>
+</file>
+
+<file path=ppt/slides/slide11.xml><?xml version="1.0" encoding="utf-8"?>
+<p:sld xmlns:a="http://schemas.openxmlformats.org/drawingml/2006/main" xmlns:r="http://schemas.openxmlformats.org/officeDocument/2006/relationships" xmlns:p="http://schemas.openxmlformats.org/presentationml/2006/main">
+  <p:cSld>
+    <p:spTree>
+      <p:nvGrpSpPr>
         <p:cNvPr id="1" name="">
           <a:extLst>
             <a:ext uri="{FF2B5EF4-FFF2-40B4-BE49-F238E27FC236}">
@@ -4440,363 +4872,7 @@
     </p:spTree>
     <p:extLst>
       <p:ext uri="{BB962C8B-B14F-4D97-AF65-F5344CB8AC3E}">
-        <p14:creationId xmlns:p14="http://schemas.microsoft.com/office/powerpoint/2010/main" val="920952337"/>
-      </p:ext>
-    </p:extLst>
-  </p:cSld>
-  <p:clrMapOvr>
-    <a:masterClrMapping/>
-  </p:clrMapOvr>
-</p:sld>
-</file>
-
-<file path=ppt/slides/slide11.xml><?xml version="1.0" encoding="utf-8"?>
-<p:sld xmlns:a="http://schemas.openxmlformats.org/drawingml/2006/main" xmlns:r="http://schemas.openxmlformats.org/officeDocument/2006/relationships" xmlns:p="http://schemas.openxmlformats.org/presentationml/2006/main">
-  <p:cSld>
-    <p:spTree>
-      <p:nvGrpSpPr>
-        <p:cNvPr id="1" name=""/>
-        <p:cNvGrpSpPr/>
-        <p:nvPr/>
-      </p:nvGrpSpPr>
-      <p:grpSpPr>
-        <a:xfrm>
-          <a:off x="0" y="0"/>
-          <a:ext cx="0" cy="0"/>
-          <a:chOff x="0" y="0"/>
-          <a:chExt cx="0" cy="0"/>
-        </a:xfrm>
-      </p:grpSpPr>
-      <p:sp>
-        <p:nvSpPr>
-          <p:cNvPr id="2" name="Title 1">
-            <a:extLst>
-              <a:ext uri="{FF2B5EF4-FFF2-40B4-BE49-F238E27FC236}">
-                <a16:creationId xmlns:a16="http://schemas.microsoft.com/office/drawing/2014/main" id="{1E90F7AD-A706-5133-E144-6ED49727F604}"/>
-              </a:ext>
-            </a:extLst>
-          </p:cNvPr>
-          <p:cNvSpPr>
-            <a:spLocks noGrp="1"/>
-          </p:cNvSpPr>
-          <p:nvPr>
-            <p:ph type="title"/>
-          </p:nvPr>
-        </p:nvSpPr>
-        <p:spPr/>
-        <p:txBody>
-          <a:bodyPr/>
-          <a:lstStyle/>
-          <a:p>
-            <a:r>
-              <a:rPr lang="hu-HU" dirty="0" err="1">
-                <a:latin typeface="Nunito Sans"/>
-              </a:rPr>
-              <a:t>Benefits</a:t>
-            </a:r>
-            <a:r>
-              <a:rPr lang="hu-HU" dirty="0">
-                <a:latin typeface="Nunito Sans"/>
-              </a:rPr>
-              <a:t> of </a:t>
-            </a:r>
-            <a:r>
-              <a:rPr lang="hu-HU" dirty="0" err="1">
-                <a:latin typeface="Nunito Sans"/>
-              </a:rPr>
-              <a:t>our</a:t>
-            </a:r>
-            <a:r>
-              <a:rPr lang="hu-HU" dirty="0">
-                <a:latin typeface="Nunito Sans"/>
-              </a:rPr>
-              <a:t> </a:t>
-            </a:r>
-            <a:r>
-              <a:rPr lang="hu-HU" dirty="0" err="1">
-                <a:latin typeface="Nunito Sans"/>
-              </a:rPr>
-              <a:t>solution</a:t>
-            </a:r>
-            <a:endParaRPr lang="en-US" dirty="0"/>
-          </a:p>
-        </p:txBody>
-      </p:sp>
-      <p:sp>
-        <p:nvSpPr>
-          <p:cNvPr id="3" name="Content Placeholder 2">
-            <a:extLst>
-              <a:ext uri="{FF2B5EF4-FFF2-40B4-BE49-F238E27FC236}">
-                <a16:creationId xmlns:a16="http://schemas.microsoft.com/office/drawing/2014/main" id="{390DDB1A-2ABD-162E-832B-75A7BD12E2B7}"/>
-              </a:ext>
-            </a:extLst>
-          </p:cNvPr>
-          <p:cNvSpPr>
-            <a:spLocks noGrp="1"/>
-          </p:cNvSpPr>
-          <p:nvPr>
-            <p:ph idx="1"/>
-          </p:nvPr>
-        </p:nvSpPr>
-        <p:spPr>
-          <a:xfrm>
-            <a:off x="842886" y="1718281"/>
-            <a:ext cx="10515600" cy="4351338"/>
-          </a:xfrm>
-        </p:spPr>
-        <p:txBody>
-          <a:bodyPr vert="horz" lIns="91440" tIns="45720" rIns="91440" bIns="45720" rtlCol="0" anchor="t">
-            <a:noAutofit/>
-          </a:bodyPr>
-          <a:lstStyle/>
-          <a:p>
-            <a:pPr>
-              <a:lnSpc>
-                <a:spcPct val="100000"/>
-              </a:lnSpc>
-            </a:pPr>
-            <a:r>
-              <a:rPr lang="en-US" sz="2200" dirty="0">
-                <a:latin typeface="Nunito Sans"/>
-              </a:rPr>
-              <a:t>Write documentation for different audience with different prompting:</a:t>
-            </a:r>
-          </a:p>
-          <a:p>
-            <a:pPr lvl="1">
-              <a:lnSpc>
-                <a:spcPct val="100000"/>
-              </a:lnSpc>
-              <a:buFont typeface="Courier New" panose="020B0604020202020204" pitchFamily="34" charset="0"/>
-              <a:buChar char="o"/>
-            </a:pPr>
-            <a:r>
-              <a:rPr lang="en-US" sz="1800" dirty="0">
-                <a:latin typeface="Nunito Sans"/>
-              </a:rPr>
-              <a:t>Developers</a:t>
-            </a:r>
-          </a:p>
-          <a:p>
-            <a:pPr lvl="1">
-              <a:lnSpc>
-                <a:spcPct val="100000"/>
-              </a:lnSpc>
-              <a:buFont typeface="Courier New" panose="020B0604020202020204" pitchFamily="34" charset="0"/>
-              <a:buChar char="o"/>
-            </a:pPr>
-            <a:r>
-              <a:rPr lang="en-US" sz="1800" dirty="0">
-                <a:latin typeface="Nunito Sans"/>
-              </a:rPr>
-              <a:t>Business users</a:t>
-            </a:r>
-            <a:endParaRPr lang="hu-HU" sz="1800" dirty="0">
-              <a:latin typeface="Nunito Sans"/>
-            </a:endParaRPr>
-          </a:p>
-          <a:p>
-            <a:pPr>
-              <a:lnSpc>
-                <a:spcPct val="100000"/>
-              </a:lnSpc>
-            </a:pPr>
-            <a:r>
-              <a:rPr lang="hu-HU" sz="2200" dirty="0" err="1">
-                <a:latin typeface="Nunito Sans"/>
-              </a:rPr>
-              <a:t>Set</a:t>
-            </a:r>
-            <a:r>
-              <a:rPr lang="hu-HU" sz="2200" dirty="0">
-                <a:latin typeface="Nunito Sans"/>
-              </a:rPr>
-              <a:t> </a:t>
-            </a:r>
-            <a:r>
-              <a:rPr lang="hu-HU" sz="2200" dirty="0" err="1">
-                <a:latin typeface="Nunito Sans"/>
-              </a:rPr>
-              <a:t>language</a:t>
-            </a:r>
-            <a:r>
-              <a:rPr lang="hu-HU" sz="2200" dirty="0">
-                <a:latin typeface="Nunito Sans"/>
-              </a:rPr>
-              <a:t> of </a:t>
-            </a:r>
-            <a:r>
-              <a:rPr lang="hu-HU" sz="2200" dirty="0" err="1">
-                <a:latin typeface="Nunito Sans"/>
-              </a:rPr>
-              <a:t>the</a:t>
-            </a:r>
-            <a:r>
-              <a:rPr lang="hu-HU" sz="2200" dirty="0">
-                <a:latin typeface="Nunito Sans"/>
-              </a:rPr>
-              <a:t> </a:t>
-            </a:r>
-            <a:r>
-              <a:rPr lang="hu-HU" sz="2200" dirty="0" err="1">
-                <a:latin typeface="Nunito Sans"/>
-              </a:rPr>
-              <a:t>documentation</a:t>
-            </a:r>
-            <a:endParaRPr lang="en-US" sz="2200" dirty="0">
-              <a:latin typeface="Nunito Sans"/>
-            </a:endParaRPr>
-          </a:p>
-          <a:p>
-            <a:pPr>
-              <a:lnSpc>
-                <a:spcPct val="100000"/>
-              </a:lnSpc>
-            </a:pPr>
-            <a:r>
-              <a:rPr lang="hu-HU" sz="2200" dirty="0">
-                <a:latin typeface="Nunito Sans"/>
-              </a:rPr>
-              <a:t>G</a:t>
-            </a:r>
-            <a:r>
-              <a:rPr lang="en-US" sz="2200" dirty="0" err="1">
-                <a:latin typeface="Nunito Sans"/>
-              </a:rPr>
-              <a:t>ive</a:t>
-            </a:r>
-            <a:r>
-              <a:rPr lang="en-US" sz="2200" dirty="0">
-                <a:latin typeface="Nunito Sans"/>
-              </a:rPr>
-              <a:t> hints for the AI:</a:t>
-            </a:r>
-          </a:p>
-          <a:p>
-            <a:pPr lvl="1">
-              <a:lnSpc>
-                <a:spcPct val="100000"/>
-              </a:lnSpc>
-              <a:buFont typeface="Courier New" panose="020B0604020202020204" pitchFamily="34" charset="0"/>
-              <a:buChar char="o"/>
-            </a:pPr>
-            <a:r>
-              <a:rPr lang="hu-HU" sz="1800" dirty="0">
-                <a:latin typeface="Nunito Sans"/>
-              </a:rPr>
-              <a:t>M</a:t>
-            </a:r>
-            <a:r>
-              <a:rPr lang="en-US" sz="1800" dirty="0" err="1">
-                <a:latin typeface="Nunito Sans"/>
-              </a:rPr>
-              <a:t>eaning</a:t>
-            </a:r>
-            <a:r>
-              <a:rPr lang="en-US" sz="1800" dirty="0">
-                <a:latin typeface="Nunito Sans"/>
-              </a:rPr>
-              <a:t> of abbreviations</a:t>
-            </a:r>
-          </a:p>
-          <a:p>
-            <a:pPr lvl="1">
-              <a:lnSpc>
-                <a:spcPct val="100000"/>
-              </a:lnSpc>
-              <a:buFont typeface="Courier New" panose="020B0604020202020204" pitchFamily="34" charset="0"/>
-              <a:buChar char="o"/>
-            </a:pPr>
-            <a:r>
-              <a:rPr lang="hu-HU" sz="1800" dirty="0">
-                <a:latin typeface="Nunito Sans"/>
-              </a:rPr>
-              <a:t>B</a:t>
-            </a:r>
-            <a:r>
-              <a:rPr lang="en-US" sz="1800" dirty="0" err="1">
-                <a:latin typeface="Nunito Sans"/>
-              </a:rPr>
-              <a:t>usiness</a:t>
-            </a:r>
-            <a:r>
-              <a:rPr lang="en-US" sz="1800" dirty="0">
-                <a:latin typeface="Nunito Sans"/>
-              </a:rPr>
-              <a:t> hints</a:t>
-            </a:r>
-          </a:p>
-          <a:p>
-            <a:pPr>
-              <a:lnSpc>
-                <a:spcPct val="100000"/>
-              </a:lnSpc>
-            </a:pPr>
-            <a:r>
-              <a:rPr lang="en-US" sz="2200" dirty="0">
-                <a:latin typeface="Nunito Sans"/>
-              </a:rPr>
-              <a:t>We could easily change the</a:t>
-            </a:r>
-            <a:r>
-              <a:rPr lang="hu-HU" sz="2200" dirty="0">
-                <a:latin typeface="Nunito Sans"/>
-              </a:rPr>
-              <a:t> </a:t>
-            </a:r>
-            <a:r>
-              <a:rPr lang="hu-HU" sz="2200" dirty="0" err="1">
-                <a:latin typeface="Nunito Sans"/>
-              </a:rPr>
-              <a:t>type</a:t>
-            </a:r>
-            <a:r>
-              <a:rPr lang="hu-HU" sz="2200" dirty="0">
-                <a:latin typeface="Nunito Sans"/>
-              </a:rPr>
-              <a:t> of </a:t>
-            </a:r>
-            <a:r>
-              <a:rPr lang="hu-HU" sz="2200" dirty="0" err="1">
-                <a:latin typeface="Nunito Sans"/>
-              </a:rPr>
-              <a:t>the</a:t>
-            </a:r>
-            <a:r>
-              <a:rPr lang="en-US" sz="2200" dirty="0">
-                <a:latin typeface="Nunito Sans"/>
-              </a:rPr>
-              <a:t> Large Language Model</a:t>
-            </a:r>
-          </a:p>
-          <a:p>
-            <a:pPr>
-              <a:lnSpc>
-                <a:spcPct val="100000"/>
-              </a:lnSpc>
-            </a:pPr>
-            <a:endParaRPr lang="en-US" sz="2200" dirty="0">
-              <a:latin typeface="Nunito Sans"/>
-            </a:endParaRPr>
-          </a:p>
-          <a:p>
-            <a:pPr lvl="1">
-              <a:lnSpc>
-                <a:spcPct val="100000"/>
-              </a:lnSpc>
-              <a:buFont typeface="Courier New" panose="020B0604020202020204" pitchFamily="34" charset="0"/>
-              <a:buChar char="o"/>
-            </a:pPr>
-            <a:endParaRPr lang="en-US" sz="1800" dirty="0">
-              <a:latin typeface="Nunito Sans"/>
-            </a:endParaRPr>
-          </a:p>
-        </p:txBody>
-      </p:sp>
-    </p:spTree>
-    <p:extLst>
-      <p:ext uri="{BB962C8B-B14F-4D97-AF65-F5344CB8AC3E}">
-        <p14:creationId xmlns:p14="http://schemas.microsoft.com/office/powerpoint/2010/main" val="3655525854"/>
+        <p14:creationId xmlns:p14="http://schemas.microsoft.com/office/powerpoint/2010/main" val="1718473746"/>
       </p:ext>
     </p:extLst>
   </p:cSld>
@@ -4828,7 +4904,7 @@
           <p:cNvPr id="2" name="Title 1">
             <a:extLst>
               <a:ext uri="{FF2B5EF4-FFF2-40B4-BE49-F238E27FC236}">
-                <a16:creationId xmlns:a16="http://schemas.microsoft.com/office/drawing/2014/main" id="{E53BF644-918C-B5C6-0A05-F21A9BCF30EB}"/>
+                <a16:creationId xmlns:a16="http://schemas.microsoft.com/office/drawing/2014/main" id="{1E90F7AD-A706-5133-E144-6ED49727F604}"/>
               </a:ext>
             </a:extLst>
           </p:cNvPr>
@@ -4845,10 +4921,34 @@
           <a:lstStyle/>
           <a:p>
             <a:r>
-              <a:rPr lang="en-US" dirty="0">
-                <a:latin typeface="Nunito Sans"/>
-              </a:rPr>
-              <a:t>Announcement</a:t>
+              <a:rPr lang="hu-HU" dirty="0" err="1">
+                <a:latin typeface="Nunito Sans"/>
+              </a:rPr>
+              <a:t>Benefits</a:t>
+            </a:r>
+            <a:r>
+              <a:rPr lang="hu-HU" dirty="0">
+                <a:latin typeface="Nunito Sans"/>
+              </a:rPr>
+              <a:t> of </a:t>
+            </a:r>
+            <a:r>
+              <a:rPr lang="hu-HU" dirty="0" err="1">
+                <a:latin typeface="Nunito Sans"/>
+              </a:rPr>
+              <a:t>our</a:t>
+            </a:r>
+            <a:r>
+              <a:rPr lang="hu-HU" dirty="0">
+                <a:latin typeface="Nunito Sans"/>
+              </a:rPr>
+              <a:t> </a:t>
+            </a:r>
+            <a:r>
+              <a:rPr lang="hu-HU" dirty="0" err="1">
+                <a:latin typeface="Nunito Sans"/>
+              </a:rPr>
+              <a:t>solution</a:t>
             </a:r>
             <a:endParaRPr lang="en-US" dirty="0"/>
           </a:p>
@@ -4856,124 +4956,271 @@
       </p:sp>
       <p:sp>
         <p:nvSpPr>
-          <p:cNvPr id="5" name="Szövegdoboz 5">
+          <p:cNvPr id="3" name="Content Placeholder 2">
             <a:extLst>
               <a:ext uri="{FF2B5EF4-FFF2-40B4-BE49-F238E27FC236}">
-                <a16:creationId xmlns:a16="http://schemas.microsoft.com/office/drawing/2014/main" id="{15A5AF2B-7E1F-E299-D3F7-B8645E8C4486}"/>
+                <a16:creationId xmlns:a16="http://schemas.microsoft.com/office/drawing/2014/main" id="{390DDB1A-2ABD-162E-832B-75A7BD12E2B7}"/>
               </a:ext>
             </a:extLst>
           </p:cNvPr>
-          <p:cNvSpPr txBox="1"/>
-          <p:nvPr/>
+          <p:cNvSpPr>
+            <a:spLocks noGrp="1"/>
+          </p:cNvSpPr>
+          <p:nvPr>
+            <p:ph idx="1"/>
+          </p:nvPr>
         </p:nvSpPr>
         <p:spPr>
           <a:xfrm>
-            <a:off x="2470415" y="2561887"/>
-            <a:ext cx="7251170" cy="3139321"/>
+            <a:off x="842886" y="1718281"/>
+            <a:ext cx="10515600" cy="4351338"/>
           </a:xfrm>
-          <a:prstGeom prst="rect">
-            <a:avLst/>
-          </a:prstGeom>
-          <a:noFill/>
         </p:spPr>
         <p:txBody>
-          <a:bodyPr wrap="square" lIns="91440" tIns="45720" rIns="91440" bIns="45720" rtlCol="0" anchor="ctr">
-            <a:spAutoFit/>
+          <a:bodyPr vert="horz" lIns="91440" tIns="45720" rIns="91440" bIns="45720" rtlCol="0" anchor="t">
+            <a:noAutofit/>
           </a:bodyPr>
           <a:lstStyle/>
           <a:p>
-            <a:pPr algn="ctr"/>
-            <a:r>
-              <a:rPr lang="hu-HU" sz="6600" b="1" dirty="0" err="1">
-                <a:gradFill>
-                  <a:gsLst>
-                    <a:gs pos="0">
-                      <a:srgbClr val="0EBAC0"/>
-                    </a:gs>
-                    <a:gs pos="42000">
-                      <a:schemeClr val="accent1">
-                        <a:lumMod val="45000"/>
-                        <a:lumOff val="55000"/>
-                      </a:schemeClr>
-                    </a:gs>
-                    <a:gs pos="100000">
-                      <a:srgbClr val="434BF0"/>
-                    </a:gs>
-                  </a:gsLst>
-                  <a:lin ang="8100000" scaled="0"/>
-                </a:gradFill>
-                <a:latin typeface="Nunito Sans"/>
-              </a:rPr>
-              <a:t>Github</a:t>
-            </a:r>
-            <a:r>
-              <a:rPr lang="hu-HU" sz="6600" b="1" dirty="0">
-                <a:gradFill>
-                  <a:gsLst>
-                    <a:gs pos="0">
-                      <a:srgbClr val="0EBAC0"/>
-                    </a:gs>
-                    <a:gs pos="42000">
-                      <a:schemeClr val="accent1">
-                        <a:lumMod val="45000"/>
-                        <a:lumOff val="55000"/>
-                      </a:schemeClr>
-                    </a:gs>
-                    <a:gs pos="100000">
-                      <a:srgbClr val="434BF0"/>
-                    </a:gs>
-                  </a:gsLst>
-                  <a:lin ang="8100000" scaled="0"/>
-                </a:gradFill>
+            <a:pPr>
+              <a:lnSpc>
+                <a:spcPct val="100000"/>
+              </a:lnSpc>
+            </a:pPr>
+            <a:r>
+              <a:rPr lang="en-US" sz="2200" dirty="0">
+                <a:latin typeface="Nunito Sans"/>
+              </a:rPr>
+              <a:t>Write documentation for different audience with different prompting:</a:t>
+            </a:r>
+          </a:p>
+          <a:p>
+            <a:pPr lvl="1">
+              <a:lnSpc>
+                <a:spcPct val="100000"/>
+              </a:lnSpc>
+              <a:buFont typeface="Courier New" panose="020B0604020202020204" pitchFamily="34" charset="0"/>
+              <a:buChar char="o"/>
+            </a:pPr>
+            <a:r>
+              <a:rPr lang="en-US" sz="1800" dirty="0">
+                <a:latin typeface="Nunito Sans"/>
+              </a:rPr>
+              <a:t>Developers</a:t>
+            </a:r>
+          </a:p>
+          <a:p>
+            <a:pPr lvl="1">
+              <a:lnSpc>
+                <a:spcPct val="100000"/>
+              </a:lnSpc>
+              <a:buFont typeface="Courier New" panose="020B0604020202020204" pitchFamily="34" charset="0"/>
+              <a:buChar char="o"/>
+            </a:pPr>
+            <a:r>
+              <a:rPr lang="en-US" sz="1800" dirty="0">
+                <a:latin typeface="Nunito Sans"/>
+              </a:rPr>
+              <a:t>Business users</a:t>
+            </a:r>
+            <a:endParaRPr lang="hu-HU" sz="1800" dirty="0">
+              <a:latin typeface="Nunito Sans"/>
+            </a:endParaRPr>
+          </a:p>
+          <a:p>
+            <a:pPr>
+              <a:lnSpc>
+                <a:spcPct val="100000"/>
+              </a:lnSpc>
+            </a:pPr>
+            <a:r>
+              <a:rPr lang="hu-HU" sz="2200" dirty="0" err="1">
+                <a:latin typeface="Nunito Sans"/>
+              </a:rPr>
+              <a:t>Set</a:t>
+            </a:r>
+            <a:r>
+              <a:rPr lang="hu-HU" sz="2200" dirty="0">
                 <a:latin typeface="Nunito Sans"/>
               </a:rPr>
               <a:t> </a:t>
             </a:r>
             <a:r>
-              <a:rPr lang="hu-HU" sz="6600" b="1" dirty="0" err="1">
-                <a:gradFill>
-                  <a:gsLst>
-                    <a:gs pos="0">
-                      <a:srgbClr val="0EBAC0"/>
-                    </a:gs>
-                    <a:gs pos="42000">
-                      <a:schemeClr val="accent1">
-                        <a:lumMod val="45000"/>
-                        <a:lumOff val="55000"/>
-                      </a:schemeClr>
-                    </a:gs>
-                    <a:gs pos="100000">
-                      <a:srgbClr val="434BF0"/>
-                    </a:gs>
-                  </a:gsLst>
-                  <a:lin ang="8100000" scaled="0"/>
-                </a:gradFill>
-                <a:latin typeface="Nunito Sans"/>
-              </a:rPr>
-              <a:t>release</a:t>
-            </a:r>
-            <a:br>
-              <a:rPr lang="en-US" dirty="0"/>
-            </a:br>
-            <a:br>
-              <a:rPr lang="hu-HU" sz="4400" b="1" dirty="0">
-                <a:latin typeface="Nunito Sans" pitchFamily="2" charset="-18"/>
-              </a:rPr>
-            </a:br>
-            <a:endParaRPr lang="hu-HU" sz="4400" b="1">
-              <a:solidFill>
-                <a:schemeClr val="bg1"/>
-              </a:solidFill>
-              <a:latin typeface="Nunito Sans" pitchFamily="2" charset="-18"/>
+              <a:rPr lang="hu-HU" sz="2200" dirty="0" err="1">
+                <a:latin typeface="Nunito Sans"/>
+              </a:rPr>
+              <a:t>language</a:t>
+            </a:r>
+            <a:r>
+              <a:rPr lang="hu-HU" sz="2200" dirty="0">
+                <a:latin typeface="Nunito Sans"/>
+              </a:rPr>
+              <a:t> of </a:t>
+            </a:r>
+            <a:r>
+              <a:rPr lang="hu-HU" sz="2200" dirty="0" err="1">
+                <a:latin typeface="Nunito Sans"/>
+              </a:rPr>
+              <a:t>the</a:t>
+            </a:r>
+            <a:r>
+              <a:rPr lang="hu-HU" sz="2200" dirty="0">
+                <a:latin typeface="Nunito Sans"/>
+              </a:rPr>
+              <a:t> </a:t>
+            </a:r>
+            <a:r>
+              <a:rPr lang="hu-HU" sz="2200" dirty="0" err="1">
+                <a:latin typeface="Nunito Sans"/>
+              </a:rPr>
+              <a:t>documentation</a:t>
+            </a:r>
+            <a:endParaRPr lang="en-US" sz="2200" dirty="0">
+              <a:latin typeface="Nunito Sans"/>
             </a:endParaRPr>
           </a:p>
           <a:p>
-            <a:pPr algn="ctr"/>
-            <a:endParaRPr lang="hu-HU" sz="4400" b="1">
-              <a:solidFill>
-                <a:schemeClr val="bg1"/>
-              </a:solidFill>
-              <a:latin typeface="Nunito Sans" pitchFamily="2" charset="-18"/>
+            <a:pPr>
+              <a:lnSpc>
+                <a:spcPct val="100000"/>
+              </a:lnSpc>
+            </a:pPr>
+            <a:r>
+              <a:rPr lang="hu-HU" sz="2200" dirty="0">
+                <a:latin typeface="Nunito Sans"/>
+              </a:rPr>
+              <a:t>G</a:t>
+            </a:r>
+            <a:r>
+              <a:rPr lang="en-US" sz="2200" dirty="0" err="1">
+                <a:latin typeface="Nunito Sans"/>
+              </a:rPr>
+              <a:t>ive</a:t>
+            </a:r>
+            <a:r>
+              <a:rPr lang="en-US" sz="2200" dirty="0">
+                <a:latin typeface="Nunito Sans"/>
+              </a:rPr>
+              <a:t> hints for the AI:</a:t>
+            </a:r>
+          </a:p>
+          <a:p>
+            <a:pPr lvl="1">
+              <a:lnSpc>
+                <a:spcPct val="100000"/>
+              </a:lnSpc>
+              <a:buFont typeface="Courier New" panose="020B0604020202020204" pitchFamily="34" charset="0"/>
+              <a:buChar char="o"/>
+            </a:pPr>
+            <a:r>
+              <a:rPr lang="hu-HU" sz="1800" dirty="0">
+                <a:latin typeface="Nunito Sans"/>
+              </a:rPr>
+              <a:t>M</a:t>
+            </a:r>
+            <a:r>
+              <a:rPr lang="en-US" sz="1800" dirty="0" err="1">
+                <a:latin typeface="Nunito Sans"/>
+              </a:rPr>
+              <a:t>eaning</a:t>
+            </a:r>
+            <a:r>
+              <a:rPr lang="en-US" sz="1800" dirty="0">
+                <a:latin typeface="Nunito Sans"/>
+              </a:rPr>
+              <a:t> of abbreviations</a:t>
+            </a:r>
+          </a:p>
+          <a:p>
+            <a:pPr lvl="1">
+              <a:lnSpc>
+                <a:spcPct val="100000"/>
+              </a:lnSpc>
+              <a:buFont typeface="Courier New" panose="020B0604020202020204" pitchFamily="34" charset="0"/>
+              <a:buChar char="o"/>
+            </a:pPr>
+            <a:r>
+              <a:rPr lang="hu-HU" sz="1800" dirty="0">
+                <a:latin typeface="Nunito Sans"/>
+              </a:rPr>
+              <a:t>B</a:t>
+            </a:r>
+            <a:r>
+              <a:rPr lang="en-US" sz="1800" dirty="0" err="1">
+                <a:latin typeface="Nunito Sans"/>
+              </a:rPr>
+              <a:t>usiness</a:t>
+            </a:r>
+            <a:r>
+              <a:rPr lang="en-US" sz="1800" dirty="0">
+                <a:latin typeface="Nunito Sans"/>
+              </a:rPr>
+              <a:t> hints</a:t>
+            </a:r>
+          </a:p>
+          <a:p>
+            <a:pPr>
+              <a:lnSpc>
+                <a:spcPct val="100000"/>
+              </a:lnSpc>
+            </a:pPr>
+            <a:r>
+              <a:rPr lang="en-US" sz="2200" dirty="0">
+                <a:latin typeface="Nunito Sans"/>
+              </a:rPr>
+              <a:t>We could easily change the</a:t>
+            </a:r>
+            <a:r>
+              <a:rPr lang="hu-HU" sz="2200" dirty="0">
+                <a:latin typeface="Nunito Sans"/>
+              </a:rPr>
+              <a:t> </a:t>
+            </a:r>
+            <a:r>
+              <a:rPr lang="hu-HU" sz="2200" dirty="0" err="1">
+                <a:latin typeface="Nunito Sans"/>
+              </a:rPr>
+              <a:t>type</a:t>
+            </a:r>
+            <a:r>
+              <a:rPr lang="hu-HU" sz="2200" dirty="0">
+                <a:latin typeface="Nunito Sans"/>
+              </a:rPr>
+              <a:t> of </a:t>
+            </a:r>
+            <a:r>
+              <a:rPr lang="hu-HU" sz="2200" dirty="0" err="1">
+                <a:latin typeface="Nunito Sans"/>
+              </a:rPr>
+              <a:t>the</a:t>
+            </a:r>
+            <a:r>
+              <a:rPr lang="en-US" sz="2200" dirty="0">
+                <a:latin typeface="Nunito Sans"/>
+              </a:rPr>
+              <a:t> Large Language Model</a:t>
+            </a:r>
+          </a:p>
+          <a:p>
+            <a:pPr>
+              <a:lnSpc>
+                <a:spcPct val="100000"/>
+              </a:lnSpc>
+            </a:pPr>
+            <a:endParaRPr lang="en-US" sz="2200" dirty="0">
+              <a:latin typeface="Nunito Sans"/>
+            </a:endParaRPr>
+          </a:p>
+          <a:p>
+            <a:pPr lvl="1">
+              <a:lnSpc>
+                <a:spcPct val="100000"/>
+              </a:lnSpc>
+              <a:buFont typeface="Courier New" panose="020B0604020202020204" pitchFamily="34" charset="0"/>
+              <a:buChar char="o"/>
+            </a:pPr>
+            <a:endParaRPr lang="en-US" sz="1800" dirty="0">
+              <a:latin typeface="Nunito Sans"/>
             </a:endParaRPr>
           </a:p>
         </p:txBody>
@@ -4981,7 +5228,7 @@
     </p:spTree>
     <p:extLst>
       <p:ext uri="{BB962C8B-B14F-4D97-AF65-F5344CB8AC3E}">
-        <p14:creationId xmlns:p14="http://schemas.microsoft.com/office/powerpoint/2010/main" val="448806041"/>
+        <p14:creationId xmlns:p14="http://schemas.microsoft.com/office/powerpoint/2010/main" val="3655525854"/>
       </p:ext>
     </p:extLst>
   </p:cSld>
@@ -5022,8 +5269,8 @@
         </p:nvSpPr>
         <p:spPr>
           <a:xfrm>
-            <a:off x="2470415" y="2731164"/>
-            <a:ext cx="7251170" cy="2800767"/>
+            <a:off x="1116108" y="378154"/>
+            <a:ext cx="9959784" cy="3139321"/>
           </a:xfrm>
           <a:prstGeom prst="rect">
             <a:avLst/>
@@ -5058,7 +5305,7 @@
                 </a:gradFill>
                 <a:latin typeface="Nunito Sans"/>
               </a:rPr>
-              <a:t>Thank</a:t>
+              <a:t>Github</a:t>
             </a:r>
             <a:r>
               <a:rPr lang="hu-HU" sz="6600" b="1" dirty="0">
@@ -5104,7 +5351,203 @@
                 </a:gradFill>
                 <a:latin typeface="Nunito Sans"/>
               </a:rPr>
-              <a:t>you</a:t>
+              <a:t>announcement</a:t>
+            </a:r>
+            <a:br>
+              <a:rPr lang="en-US" dirty="0"/>
+            </a:br>
+            <a:br>
+              <a:rPr lang="hu-HU" sz="4400" b="1" dirty="0">
+                <a:latin typeface="Nunito Sans" pitchFamily="2" charset="-18"/>
+              </a:rPr>
+            </a:br>
+            <a:endParaRPr lang="hu-HU" sz="4400" b="1" dirty="0">
+              <a:solidFill>
+                <a:schemeClr val="bg1"/>
+              </a:solidFill>
+              <a:latin typeface="Nunito Sans" pitchFamily="2" charset="-18"/>
+            </a:endParaRPr>
+          </a:p>
+          <a:p>
+            <a:pPr algn="ctr"/>
+            <a:endParaRPr lang="hu-HU" sz="4400" b="1" dirty="0">
+              <a:solidFill>
+                <a:schemeClr val="bg1"/>
+              </a:solidFill>
+              <a:latin typeface="Nunito Sans" pitchFamily="2" charset="-18"/>
+            </a:endParaRPr>
+          </a:p>
+        </p:txBody>
+      </p:sp>
+      <p:pic>
+        <p:nvPicPr>
+          <p:cNvPr id="4" name="Kép 3" descr="A képen minta, Grafika, tér, szimbólum látható&#10;&#10;Automatikusan generált leírás">
+            <a:extLst>
+              <a:ext uri="{FF2B5EF4-FFF2-40B4-BE49-F238E27FC236}">
+                <a16:creationId xmlns:a16="http://schemas.microsoft.com/office/drawing/2014/main" id="{411EF6BE-ACE6-C915-71BE-1CCA628882D1}"/>
+              </a:ext>
+            </a:extLst>
+          </p:cNvPr>
+          <p:cNvPicPr>
+            <a:picLocks noChangeAspect="1"/>
+          </p:cNvPicPr>
+          <p:nvPr/>
+        </p:nvPicPr>
+        <p:blipFill>
+          <a:blip r:embed="rId3">
+            <a:extLst>
+              <a:ext uri="{28A0092B-C50C-407E-A947-70E740481C1C}">
+                <a14:useLocalDpi xmlns:a14="http://schemas.microsoft.com/office/drawing/2010/main" val="0"/>
+              </a:ext>
+            </a:extLst>
+          </a:blip>
+          <a:stretch>
+            <a:fillRect/>
+          </a:stretch>
+        </p:blipFill>
+        <p:spPr>
+          <a:xfrm>
+            <a:off x="3968204" y="1622694"/>
+            <a:ext cx="4255592" cy="4255592"/>
+          </a:xfrm>
+          <a:prstGeom prst="rect">
+            <a:avLst/>
+          </a:prstGeom>
+        </p:spPr>
+      </p:pic>
+      <p:sp>
+        <p:nvSpPr>
+          <p:cNvPr id="8" name="Szövegdoboz 7">
+            <a:extLst>
+              <a:ext uri="{FF2B5EF4-FFF2-40B4-BE49-F238E27FC236}">
+                <a16:creationId xmlns:a16="http://schemas.microsoft.com/office/drawing/2014/main" id="{CAEEA091-81A1-499B-BD63-198062249E9C}"/>
+              </a:ext>
+            </a:extLst>
+          </p:cNvPr>
+          <p:cNvSpPr txBox="1"/>
+          <p:nvPr/>
+        </p:nvSpPr>
+        <p:spPr>
+          <a:xfrm>
+            <a:off x="1654629" y="6110514"/>
+            <a:ext cx="8665028" cy="369332"/>
+          </a:xfrm>
+          <a:prstGeom prst="rect">
+            <a:avLst/>
+          </a:prstGeom>
+          <a:noFill/>
+        </p:spPr>
+        <p:txBody>
+          <a:bodyPr wrap="square" rtlCol="0">
+            <a:spAutoFit/>
+          </a:bodyPr>
+          <a:lstStyle/>
+          <a:p>
+            <a:pPr algn="ctr"/>
+            <a:r>
+              <a:rPr lang="hu-HU" dirty="0">
+                <a:solidFill>
+                  <a:schemeClr val="bg1"/>
+                </a:solidFill>
+                <a:hlinkClick r:id="rId4">
+                  <a:extLst>
+                    <a:ext uri="{A12FA001-AC4F-418D-AE19-62706E023703}">
+                      <ahyp:hlinkClr xmlns:ahyp="http://schemas.microsoft.com/office/drawing/2018/hyperlinkcolor" val="tx"/>
+                    </a:ext>
+                  </a:extLst>
+                </a:hlinkClick>
+              </a:rPr>
+              <a:t>https://github.com/DataRockLabs/Budapest-PowerBI-Meetup-10th</a:t>
+            </a:r>
+            <a:endParaRPr lang="hu-HU" dirty="0">
+              <a:solidFill>
+                <a:schemeClr val="bg1"/>
+              </a:solidFill>
+            </a:endParaRPr>
+          </a:p>
+        </p:txBody>
+      </p:sp>
+    </p:spTree>
+    <p:extLst>
+      <p:ext uri="{BB962C8B-B14F-4D97-AF65-F5344CB8AC3E}">
+        <p14:creationId xmlns:p14="http://schemas.microsoft.com/office/powerpoint/2010/main" val="448806041"/>
+      </p:ext>
+    </p:extLst>
+  </p:cSld>
+  <p:clrMapOvr>
+    <a:masterClrMapping/>
+  </p:clrMapOvr>
+</p:sld>
+</file>
+
+<file path=ppt/slides/slide14.xml><?xml version="1.0" encoding="utf-8"?>
+<p:sld xmlns:a="http://schemas.openxmlformats.org/drawingml/2006/main" xmlns:r="http://schemas.openxmlformats.org/officeDocument/2006/relationships" xmlns:p="http://schemas.openxmlformats.org/presentationml/2006/main">
+  <p:cSld>
+    <p:spTree>
+      <p:nvGrpSpPr>
+        <p:cNvPr id="1" name=""/>
+        <p:cNvGrpSpPr/>
+        <p:nvPr/>
+      </p:nvGrpSpPr>
+      <p:grpSpPr>
+        <a:xfrm>
+          <a:off x="0" y="0"/>
+          <a:ext cx="0" cy="0"/>
+          <a:chOff x="0" y="0"/>
+          <a:chExt cx="0" cy="0"/>
+        </a:xfrm>
+      </p:grpSpPr>
+      <p:sp>
+        <p:nvSpPr>
+          <p:cNvPr id="5" name="Szövegdoboz 5">
+            <a:extLst>
+              <a:ext uri="{FF2B5EF4-FFF2-40B4-BE49-F238E27FC236}">
+                <a16:creationId xmlns:a16="http://schemas.microsoft.com/office/drawing/2014/main" id="{15A5AF2B-7E1F-E299-D3F7-B8645E8C4486}"/>
+              </a:ext>
+            </a:extLst>
+          </p:cNvPr>
+          <p:cNvSpPr txBox="1"/>
+          <p:nvPr/>
+        </p:nvSpPr>
+        <p:spPr>
+          <a:xfrm>
+            <a:off x="2470415" y="2731164"/>
+            <a:ext cx="7251170" cy="2800767"/>
+          </a:xfrm>
+          <a:prstGeom prst="rect">
+            <a:avLst/>
+          </a:prstGeom>
+          <a:noFill/>
+        </p:spPr>
+        <p:txBody>
+          <a:bodyPr wrap="square" lIns="91440" tIns="45720" rIns="91440" bIns="45720" rtlCol="0" anchor="ctr">
+            <a:spAutoFit/>
+          </a:bodyPr>
+          <a:lstStyle/>
+          <a:p>
+            <a:pPr algn="ctr"/>
+            <a:r>
+              <a:rPr lang="hu-HU" sz="6600" b="1" dirty="0" err="1">
+                <a:gradFill>
+                  <a:gsLst>
+                    <a:gs pos="0">
+                      <a:srgbClr val="0EBAC0"/>
+                    </a:gs>
+                    <a:gs pos="42000">
+                      <a:schemeClr val="accent1">
+                        <a:lumMod val="45000"/>
+                        <a:lumOff val="55000"/>
+                      </a:schemeClr>
+                    </a:gs>
+                    <a:gs pos="100000">
+                      <a:srgbClr val="434BF0"/>
+                    </a:gs>
+                  </a:gsLst>
+                  <a:lin ang="8100000" scaled="0"/>
+                </a:gradFill>
+                <a:latin typeface="Nunito Sans"/>
+              </a:rPr>
+              <a:t>Thank</a:t>
             </a:r>
             <a:r>
               <a:rPr lang="hu-HU" sz="6600" b="1" dirty="0">
@@ -5150,7 +5593,7 @@
                 </a:gradFill>
                 <a:latin typeface="Nunito Sans"/>
               </a:rPr>
-              <a:t>for</a:t>
+              <a:t>you</a:t>
             </a:r>
             <a:r>
               <a:rPr lang="hu-HU" sz="6600" b="1" dirty="0">
@@ -5196,7 +5639,7 @@
                 </a:gradFill>
                 <a:latin typeface="Nunito Sans"/>
               </a:rPr>
-              <a:t>your</a:t>
+              <a:t>for</a:t>
             </a:r>
             <a:r>
               <a:rPr lang="hu-HU" sz="6600" b="1" dirty="0">
@@ -5242,7 +5685,7 @@
                 </a:gradFill>
                 <a:latin typeface="Nunito Sans"/>
               </a:rPr>
-              <a:t>attention</a:t>
+              <a:t>your</a:t>
             </a:r>
             <a:r>
               <a:rPr lang="hu-HU" sz="6600" b="1" dirty="0">
@@ -5265,6 +5708,52 @@
                 </a:gradFill>
                 <a:latin typeface="Nunito Sans"/>
               </a:rPr>
+              <a:t> </a:t>
+            </a:r>
+            <a:r>
+              <a:rPr lang="hu-HU" sz="6600" b="1" dirty="0" err="1">
+                <a:gradFill>
+                  <a:gsLst>
+                    <a:gs pos="0">
+                      <a:srgbClr val="0EBAC0"/>
+                    </a:gs>
+                    <a:gs pos="42000">
+                      <a:schemeClr val="accent1">
+                        <a:lumMod val="45000"/>
+                        <a:lumOff val="55000"/>
+                      </a:schemeClr>
+                    </a:gs>
+                    <a:gs pos="100000">
+                      <a:srgbClr val="434BF0"/>
+                    </a:gs>
+                  </a:gsLst>
+                  <a:lin ang="8100000" scaled="0"/>
+                </a:gradFill>
+                <a:latin typeface="Nunito Sans"/>
+              </a:rPr>
+              <a:t>attention</a:t>
+            </a:r>
+            <a:r>
+              <a:rPr lang="hu-HU" sz="6600" b="1" dirty="0">
+                <a:gradFill>
+                  <a:gsLst>
+                    <a:gs pos="0">
+                      <a:srgbClr val="0EBAC0"/>
+                    </a:gs>
+                    <a:gs pos="42000">
+                      <a:schemeClr val="accent1">
+                        <a:lumMod val="45000"/>
+                        <a:lumOff val="55000"/>
+                      </a:schemeClr>
+                    </a:gs>
+                    <a:gs pos="100000">
+                      <a:srgbClr val="434BF0"/>
+                    </a:gs>
+                  </a:gsLst>
+                  <a:lin ang="8100000" scaled="0"/>
+                </a:gradFill>
+                <a:latin typeface="Nunito Sans"/>
+              </a:rPr>
               <a:t>!</a:t>
             </a:r>
             <a:endParaRPr lang="hu-HU" sz="4400" b="1" dirty="0">
@@ -5298,7 +5787,7 @@
 </p:sld>
 </file>
 
-<file path=ppt/slides/slide14.xml><?xml version="1.0" encoding="utf-8"?>
+<file path=ppt/slides/slide15.xml><?xml version="1.0" encoding="utf-8"?>
 <p:sld xmlns:a="http://schemas.openxmlformats.org/drawingml/2006/main" xmlns:r="http://schemas.openxmlformats.org/officeDocument/2006/relationships" xmlns:p="http://schemas.openxmlformats.org/presentationml/2006/main">
   <p:cSld>
     <p:spTree>
@@ -6597,6 +7086,163 @@
   <p:cSld>
     <p:spTree>
       <p:nvGrpSpPr>
+        <p:cNvPr id="1" name="">
+          <a:extLst>
+            <a:ext uri="{FF2B5EF4-FFF2-40B4-BE49-F238E27FC236}">
+              <a16:creationId xmlns:a16="http://schemas.microsoft.com/office/drawing/2014/main" id="{1B24C157-AF92-792D-232E-21CC2A764C41}"/>
+            </a:ext>
+          </a:extLst>
+        </p:cNvPr>
+        <p:cNvGrpSpPr/>
+        <p:nvPr/>
+      </p:nvGrpSpPr>
+      <p:grpSpPr>
+        <a:xfrm>
+          <a:off x="0" y="0"/>
+          <a:ext cx="0" cy="0"/>
+          <a:chOff x="0" y="0"/>
+          <a:chExt cx="0" cy="0"/>
+        </a:xfrm>
+      </p:grpSpPr>
+      <p:sp>
+        <p:nvSpPr>
+          <p:cNvPr id="6" name="Szövegdoboz 5">
+            <a:extLst>
+              <a:ext uri="{FF2B5EF4-FFF2-40B4-BE49-F238E27FC236}">
+                <a16:creationId xmlns:a16="http://schemas.microsoft.com/office/drawing/2014/main" id="{1C30D666-581B-92AD-C1E8-770F5B20DCBF}"/>
+              </a:ext>
+            </a:extLst>
+          </p:cNvPr>
+          <p:cNvSpPr txBox="1"/>
+          <p:nvPr/>
+        </p:nvSpPr>
+        <p:spPr>
+          <a:xfrm>
+            <a:off x="2470415" y="2900441"/>
+            <a:ext cx="7251170" cy="2462213"/>
+          </a:xfrm>
+          <a:prstGeom prst="rect">
+            <a:avLst/>
+          </a:prstGeom>
+          <a:noFill/>
+        </p:spPr>
+        <p:txBody>
+          <a:bodyPr wrap="square" lIns="91440" tIns="45720" rIns="91440" bIns="45720" rtlCol="0" anchor="ctr">
+            <a:spAutoFit/>
+          </a:bodyPr>
+          <a:lstStyle/>
+          <a:p>
+            <a:pPr algn="ctr"/>
+            <a:r>
+              <a:rPr lang="hu-HU" sz="6600" b="1" dirty="0" err="1">
+                <a:gradFill>
+                  <a:gsLst>
+                    <a:gs pos="0">
+                      <a:srgbClr val="0EBAC0"/>
+                    </a:gs>
+                    <a:gs pos="42000">
+                      <a:schemeClr val="accent1">
+                        <a:lumMod val="45000"/>
+                        <a:lumOff val="55000"/>
+                      </a:schemeClr>
+                    </a:gs>
+                    <a:gs pos="100000">
+                      <a:srgbClr val="434BF0"/>
+                    </a:gs>
+                  </a:gsLst>
+                  <a:lin ang="8100000" scaled="0"/>
+                </a:gradFill>
+                <a:latin typeface="Nunito Sans"/>
+              </a:rPr>
+              <a:t>Our</a:t>
+            </a:r>
+            <a:r>
+              <a:rPr lang="hu-HU" sz="6600" b="1" dirty="0">
+                <a:gradFill>
+                  <a:gsLst>
+                    <a:gs pos="0">
+                      <a:srgbClr val="0EBAC0"/>
+                    </a:gs>
+                    <a:gs pos="42000">
+                      <a:schemeClr val="accent1">
+                        <a:lumMod val="45000"/>
+                        <a:lumOff val="55000"/>
+                      </a:schemeClr>
+                    </a:gs>
+                    <a:gs pos="100000">
+                      <a:srgbClr val="434BF0"/>
+                    </a:gs>
+                  </a:gsLst>
+                  <a:lin ang="8100000" scaled="0"/>
+                </a:gradFill>
+                <a:latin typeface="Nunito Sans"/>
+              </a:rPr>
+              <a:t> </a:t>
+            </a:r>
+            <a:r>
+              <a:rPr lang="hu-HU" sz="6600" b="1" dirty="0" err="1">
+                <a:gradFill>
+                  <a:gsLst>
+                    <a:gs pos="0">
+                      <a:srgbClr val="0EBAC0"/>
+                    </a:gs>
+                    <a:gs pos="42000">
+                      <a:schemeClr val="accent1">
+                        <a:lumMod val="45000"/>
+                        <a:lumOff val="55000"/>
+                      </a:schemeClr>
+                    </a:gs>
+                    <a:gs pos="100000">
+                      <a:srgbClr val="434BF0"/>
+                    </a:gs>
+                  </a:gsLst>
+                  <a:lin ang="8100000" scaled="0"/>
+                </a:gradFill>
+                <a:latin typeface="Nunito Sans"/>
+              </a:rPr>
+              <a:t>solution</a:t>
+            </a:r>
+            <a:br>
+              <a:rPr lang="hu-HU" sz="4400" b="1" dirty="0">
+                <a:latin typeface="Nunito Sans" pitchFamily="2" charset="-18"/>
+              </a:rPr>
+            </a:br>
+            <a:endParaRPr lang="hu-HU" sz="4400" b="1" dirty="0">
+              <a:solidFill>
+                <a:schemeClr val="bg1"/>
+              </a:solidFill>
+              <a:latin typeface="Nunito Sans" pitchFamily="2" charset="-18"/>
+            </a:endParaRPr>
+          </a:p>
+          <a:p>
+            <a:pPr algn="ctr"/>
+            <a:endParaRPr lang="hu-HU" sz="4400" b="1" dirty="0">
+              <a:solidFill>
+                <a:schemeClr val="bg1"/>
+              </a:solidFill>
+              <a:latin typeface="Nunito Sans" pitchFamily="2" charset="-18"/>
+            </a:endParaRPr>
+          </a:p>
+        </p:txBody>
+      </p:sp>
+    </p:spTree>
+    <p:extLst>
+      <p:ext uri="{BB962C8B-B14F-4D97-AF65-F5344CB8AC3E}">
+        <p14:creationId xmlns:p14="http://schemas.microsoft.com/office/powerpoint/2010/main" val="920952337"/>
+      </p:ext>
+    </p:extLst>
+  </p:cSld>
+  <p:clrMapOvr>
+    <a:masterClrMapping/>
+  </p:clrMapOvr>
+</p:sld>
+</file>
+
+<file path=ppt/slides/slide8.xml><?xml version="1.0" encoding="utf-8"?>
+<p:sld xmlns:a="http://schemas.openxmlformats.org/drawingml/2006/main" xmlns:r="http://schemas.openxmlformats.org/officeDocument/2006/relationships" xmlns:p="http://schemas.openxmlformats.org/presentationml/2006/main">
+  <p:cSld>
+    <p:spTree>
+      <p:nvGrpSpPr>
         <p:cNvPr id="1" name=""/>
         <p:cNvGrpSpPr/>
         <p:nvPr/>
@@ -6777,7 +7423,7 @@
 </p:sld>
 </file>
 
-<file path=ppt/slides/slide8.xml><?xml version="1.0" encoding="utf-8"?>
+<file path=ppt/slides/slide9.xml><?xml version="1.0" encoding="utf-8"?>
 <p:sld xmlns:a="http://schemas.openxmlformats.org/drawingml/2006/main" xmlns:r="http://schemas.openxmlformats.org/officeDocument/2006/relationships" xmlns:p="http://schemas.openxmlformats.org/presentationml/2006/main">
   <p:cSld>
     <p:spTree>
@@ -7357,97 +8003,6 @@
     <p:extLst>
       <p:ext uri="{BB962C8B-B14F-4D97-AF65-F5344CB8AC3E}">
         <p14:creationId xmlns:p14="http://schemas.microsoft.com/office/powerpoint/2010/main" val="2543189795"/>
-      </p:ext>
-    </p:extLst>
-  </p:cSld>
-  <p:clrMapOvr>
-    <a:masterClrMapping/>
-  </p:clrMapOvr>
-</p:sld>
-</file>
-
-<file path=ppt/slides/slide9.xml><?xml version="1.0" encoding="utf-8"?>
-<p:sld xmlns:a="http://schemas.openxmlformats.org/drawingml/2006/main" xmlns:r="http://schemas.openxmlformats.org/officeDocument/2006/relationships" xmlns:p="http://schemas.openxmlformats.org/presentationml/2006/main">
-  <p:cSld>
-    <p:spTree>
-      <p:nvGrpSpPr>
-        <p:cNvPr id="1" name=""/>
-        <p:cNvGrpSpPr/>
-        <p:nvPr/>
-      </p:nvGrpSpPr>
-      <p:grpSpPr>
-        <a:xfrm>
-          <a:off x="0" y="0"/>
-          <a:ext cx="0" cy="0"/>
-          <a:chOff x="0" y="0"/>
-          <a:chExt cx="0" cy="0"/>
-        </a:xfrm>
-      </p:grpSpPr>
-      <p:sp>
-        <p:nvSpPr>
-          <p:cNvPr id="2" name="Title 1">
-            <a:extLst>
-              <a:ext uri="{FF2B5EF4-FFF2-40B4-BE49-F238E27FC236}">
-                <a16:creationId xmlns:a16="http://schemas.microsoft.com/office/drawing/2014/main" id="{1E90F7AD-A706-5133-E144-6ED49727F604}"/>
-              </a:ext>
-            </a:extLst>
-          </p:cNvPr>
-          <p:cNvSpPr>
-            <a:spLocks noGrp="1"/>
-          </p:cNvSpPr>
-          <p:nvPr>
-            <p:ph type="title"/>
-          </p:nvPr>
-        </p:nvSpPr>
-        <p:spPr/>
-        <p:txBody>
-          <a:bodyPr/>
-          <a:lstStyle/>
-          <a:p>
-            <a:r>
-              <a:rPr lang="en-US" dirty="0">
-                <a:latin typeface="Nunito Sans"/>
-              </a:rPr>
-              <a:t>Our solution's architecture</a:t>
-            </a:r>
-            <a:endParaRPr lang="en-US" dirty="0"/>
-          </a:p>
-        </p:txBody>
-      </p:sp>
-      <p:pic>
-        <p:nvPicPr>
-          <p:cNvPr id="3" name="Picture 2">
-            <a:extLst>
-              <a:ext uri="{FF2B5EF4-FFF2-40B4-BE49-F238E27FC236}">
-                <a16:creationId xmlns:a16="http://schemas.microsoft.com/office/drawing/2014/main" id="{5D72F331-5E50-A913-43DA-5EF7CFAEC4E8}"/>
-              </a:ext>
-            </a:extLst>
-          </p:cNvPr>
-          <p:cNvPicPr>
-            <a:picLocks noChangeAspect="1"/>
-          </p:cNvPicPr>
-          <p:nvPr/>
-        </p:nvPicPr>
-        <p:blipFill>
-          <a:blip r:embed="rId2"/>
-          <a:stretch>
-            <a:fillRect/>
-          </a:stretch>
-        </p:blipFill>
-        <p:spPr>
-          <a:xfrm>
-            <a:off x="0" y="1714915"/>
-            <a:ext cx="12192000" cy="3791027"/>
-          </a:xfrm>
-          <a:prstGeom prst="rect">
-            <a:avLst/>
-          </a:prstGeom>
-        </p:spPr>
-      </p:pic>
-    </p:spTree>
-    <p:extLst>
-      <p:ext uri="{BB962C8B-B14F-4D97-AF65-F5344CB8AC3E}">
-        <p14:creationId xmlns:p14="http://schemas.microsoft.com/office/powerpoint/2010/main" val="3440142585"/>
       </p:ext>
     </p:extLst>
   </p:cSld>
@@ -8085,286 +8640,4 @@
     </a:ext>
   </a:extLst>
 </a:theme>
-</file>
-
-<file path=customXml/item1.xml><?xml version="1.0" encoding="utf-8"?>
-<ct:contentTypeSchema xmlns:ct="http://schemas.microsoft.com/office/2006/metadata/contentType" xmlns:ma="http://schemas.microsoft.com/office/2006/metadata/properties/metaAttributes" ct:_="" ma:_="" ma:contentTypeName="Document" ma:contentTypeID="0x010100CB16E2566699B34AA1227392A01D6A4E" ma:contentTypeVersion="13" ma:contentTypeDescription="Create a new document." ma:contentTypeScope="" ma:versionID="a47d142a30243a9c757bcdf871c12232">
-  <xsd:schema xmlns:xsd="http://www.w3.org/2001/XMLSchema" xmlns:xs="http://www.w3.org/2001/XMLSchema" xmlns:p="http://schemas.microsoft.com/office/2006/metadata/properties" xmlns:ns3="a410b0ad-d919-4b57-89f4-82988faf3b3f" xmlns:ns4="cb4497e3-b467-4119-b98a-bc5822791973" targetNamespace="http://schemas.microsoft.com/office/2006/metadata/properties" ma:root="true" ma:fieldsID="34b75045246c8d09399d27aac8ad03b3" ns3:_="" ns4:_="">
-    <xsd:import namespace="a410b0ad-d919-4b57-89f4-82988faf3b3f"/>
-    <xsd:import namespace="cb4497e3-b467-4119-b98a-bc5822791973"/>
-    <xsd:element name="properties">
-      <xsd:complexType>
-        <xsd:sequence>
-          <xsd:element name="documentManagement">
-            <xsd:complexType>
-              <xsd:all>
-                <xsd:element ref="ns3:MediaServiceMetadata" minOccurs="0"/>
-                <xsd:element ref="ns3:MediaServiceFastMetadata" minOccurs="0"/>
-                <xsd:element ref="ns3:MediaServiceSearchProperties" minOccurs="0"/>
-                <xsd:element ref="ns3:MediaServiceObjectDetectorVersions" minOccurs="0"/>
-                <xsd:element ref="ns3:_activity" minOccurs="0"/>
-                <xsd:element ref="ns4:SharedWithUsers" minOccurs="0"/>
-                <xsd:element ref="ns4:SharedWithDetails" minOccurs="0"/>
-                <xsd:element ref="ns4:SharingHintHash" minOccurs="0"/>
-                <xsd:element ref="ns3:MediaServiceDateTaken" minOccurs="0"/>
-                <xsd:element ref="ns3:MediaServiceSystemTags" minOccurs="0"/>
-                <xsd:element ref="ns3:MediaServiceOCR" minOccurs="0"/>
-                <xsd:element ref="ns3:MediaServiceGenerationTime" minOccurs="0"/>
-                <xsd:element ref="ns3:MediaServiceEventHashCode" minOccurs="0"/>
-              </xsd:all>
-            </xsd:complexType>
-          </xsd:element>
-        </xsd:sequence>
-      </xsd:complexType>
-    </xsd:element>
-  </xsd:schema>
-  <xsd:schema xmlns:xsd="http://www.w3.org/2001/XMLSchema" xmlns:xs="http://www.w3.org/2001/XMLSchema" xmlns:dms="http://schemas.microsoft.com/office/2006/documentManagement/types" xmlns:pc="http://schemas.microsoft.com/office/infopath/2007/PartnerControls" targetNamespace="a410b0ad-d919-4b57-89f4-82988faf3b3f" elementFormDefault="qualified">
-    <xsd:import namespace="http://schemas.microsoft.com/office/2006/documentManagement/types"/>
-    <xsd:import namespace="http://schemas.microsoft.com/office/infopath/2007/PartnerControls"/>
-    <xsd:element name="MediaServiceMetadata" ma:index="8" nillable="true" ma:displayName="MediaServiceMetadata" ma:hidden="true" ma:internalName="MediaServiceMetadata" ma:readOnly="true">
-      <xsd:simpleType>
-        <xsd:restriction base="dms:Note"/>
-      </xsd:simpleType>
-    </xsd:element>
-    <xsd:element name="MediaServiceFastMetadata" ma:index="9" nillable="true" ma:displayName="MediaServiceFastMetadata" ma:hidden="true" ma:internalName="MediaServiceFastMetadata" ma:readOnly="true">
-      <xsd:simpleType>
-        <xsd:restriction base="dms:Note"/>
-      </xsd:simpleType>
-    </xsd:element>
-    <xsd:element name="MediaServiceSearchProperties" ma:index="10" nillable="true" ma:displayName="MediaServiceSearchProperties" ma:hidden="true" ma:internalName="MediaServiceSearchProperties" ma:readOnly="true">
-      <xsd:simpleType>
-        <xsd:restriction base="dms:Note"/>
-      </xsd:simpleType>
-    </xsd:element>
-    <xsd:element name="MediaServiceObjectDetectorVersions" ma:index="11" nillable="true" ma:displayName="MediaServiceObjectDetectorVersions" ma:hidden="true" ma:indexed="true" ma:internalName="MediaServiceObjectDetectorVersions" ma:readOnly="true">
-      <xsd:simpleType>
-        <xsd:restriction base="dms:Text"/>
-      </xsd:simpleType>
-    </xsd:element>
-    <xsd:element name="_activity" ma:index="12" nillable="true" ma:displayName="_activity" ma:hidden="true" ma:internalName="_activity">
-      <xsd:simpleType>
-        <xsd:restriction base="dms:Note"/>
-      </xsd:simpleType>
-    </xsd:element>
-    <xsd:element name="MediaServiceDateTaken" ma:index="16" nillable="true" ma:displayName="MediaServiceDateTaken" ma:hidden="true" ma:indexed="true" ma:internalName="MediaServiceDateTaken" ma:readOnly="true">
-      <xsd:simpleType>
-        <xsd:restriction base="dms:Text"/>
-      </xsd:simpleType>
-    </xsd:element>
-    <xsd:element name="MediaServiceSystemTags" ma:index="17" nillable="true" ma:displayName="MediaServiceSystemTags" ma:hidden="true" ma:internalName="MediaServiceSystemTags" ma:readOnly="true">
-      <xsd:simpleType>
-        <xsd:restriction base="dms:Note"/>
-      </xsd:simpleType>
-    </xsd:element>
-    <xsd:element name="MediaServiceOCR" ma:index="18" nillable="true" ma:displayName="Extracted Text" ma:internalName="MediaServiceOCR" ma:readOnly="true">
-      <xsd:simpleType>
-        <xsd:restriction base="dms:Note">
-          <xsd:maxLength value="255"/>
-        </xsd:restriction>
-      </xsd:simpleType>
-    </xsd:element>
-    <xsd:element name="MediaServiceGenerationTime" ma:index="19" nillable="true" ma:displayName="MediaServiceGenerationTime" ma:hidden="true" ma:internalName="MediaServiceGenerationTime" ma:readOnly="true">
-      <xsd:simpleType>
-        <xsd:restriction base="dms:Text"/>
-      </xsd:simpleType>
-    </xsd:element>
-    <xsd:element name="MediaServiceEventHashCode" ma:index="20" nillable="true" ma:displayName="MediaServiceEventHashCode" ma:hidden="true" ma:internalName="MediaServiceEventHashCode" ma:readOnly="true">
-      <xsd:simpleType>
-        <xsd:restriction base="dms:Text"/>
-      </xsd:simpleType>
-    </xsd:element>
-  </xsd:schema>
-  <xsd:schema xmlns:xsd="http://www.w3.org/2001/XMLSchema" xmlns:xs="http://www.w3.org/2001/XMLSchema" xmlns:dms="http://schemas.microsoft.com/office/2006/documentManagement/types" xmlns:pc="http://schemas.microsoft.com/office/infopath/2007/PartnerControls" targetNamespace="cb4497e3-b467-4119-b98a-bc5822791973" elementFormDefault="qualified">
-    <xsd:import namespace="http://schemas.microsoft.com/office/2006/documentManagement/types"/>
-    <xsd:import namespace="http://schemas.microsoft.com/office/infopath/2007/PartnerControls"/>
-    <xsd:element name="SharedWithUsers" ma:index="13" nillable="true" ma:displayName="Shared With" ma:internalName="SharedWithUsers" ma:readOnly="true">
-      <xsd:complexType>
-        <xsd:complexContent>
-          <xsd:extension base="dms:UserMulti">
-            <xsd:sequence>
-              <xsd:element name="UserInfo" minOccurs="0" maxOccurs="unbounded">
-                <xsd:complexType>
-                  <xsd:sequence>
-                    <xsd:element name="DisplayName" type="xsd:string" minOccurs="0"/>
-                    <xsd:element name="AccountId" type="dms:UserId" minOccurs="0" nillable="true"/>
-                    <xsd:element name="AccountType" type="xsd:string" minOccurs="0"/>
-                  </xsd:sequence>
-                </xsd:complexType>
-              </xsd:element>
-            </xsd:sequence>
-          </xsd:extension>
-        </xsd:complexContent>
-      </xsd:complexType>
-    </xsd:element>
-    <xsd:element name="SharedWithDetails" ma:index="14" nillable="true" ma:displayName="Shared With Details" ma:internalName="SharedWithDetails" ma:readOnly="true">
-      <xsd:simpleType>
-        <xsd:restriction base="dms:Note">
-          <xsd:maxLength value="255"/>
-        </xsd:restriction>
-      </xsd:simpleType>
-    </xsd:element>
-    <xsd:element name="SharingHintHash" ma:index="15" nillable="true" ma:displayName="Sharing Hint Hash" ma:hidden="true" ma:internalName="SharingHintHash" ma:readOnly="true">
-      <xsd:simpleType>
-        <xsd:restriction base="dms:Text"/>
-      </xsd:simpleType>
-    </xsd:element>
-  </xsd:schema>
-  <xsd:schema xmlns="http://schemas.openxmlformats.org/package/2006/metadata/core-properties" xmlns:xsd="http://www.w3.org/2001/XMLSchema" xmlns:xsi="http://www.w3.org/2001/XMLSchema-instance" xmlns:dc="http://purl.org/dc/elements/1.1/" xmlns:dcterms="http://purl.org/dc/terms/" xmlns:odoc="http://schemas.microsoft.com/internal/obd" targetNamespace="http://schemas.openxmlformats.org/package/2006/metadata/core-properties" elementFormDefault="qualified" attributeFormDefault="unqualified" blockDefault="#all">
-    <xsd:import namespace="http://purl.org/dc/elements/1.1/" schemaLocation="http://dublincore.org/schemas/xmls/qdc/2003/04/02/dc.xsd"/>
-    <xsd:import namespace="http://purl.org/dc/terms/" schemaLocation="http://dublincore.org/schemas/xmls/qdc/2003/04/02/dcterms.xsd"/>
-    <xsd:element name="coreProperties" type="CT_coreProperties"/>
-    <xsd:complexType name="CT_coreProperties">
-      <xsd:all>
-        <xsd:element ref="dc:creator" minOccurs="0" maxOccurs="1"/>
-        <xsd:element ref="dcterms:created" minOccurs="0" maxOccurs="1"/>
-        <xsd:element ref="dc:identifier" minOccurs="0" maxOccurs="1"/>
-        <xsd:element name="contentType" minOccurs="0" maxOccurs="1" type="xsd:string" ma:index="0" ma:displayName="Content Type"/>
-        <xsd:element ref="dc:title" minOccurs="0" maxOccurs="1" ma:index="4" ma:displayName="Title"/>
-        <xsd:element ref="dc:subject" minOccurs="0" maxOccurs="1"/>
-        <xsd:element ref="dc:description" minOccurs="0" maxOccurs="1"/>
-        <xsd:element name="keywords" minOccurs="0" maxOccurs="1" type="xsd:string"/>
-        <xsd:element ref="dc:language" minOccurs="0" maxOccurs="1"/>
-        <xsd:element name="category" minOccurs="0" maxOccurs="1" type="xsd:string"/>
-        <xsd:element name="version" minOccurs="0" maxOccurs="1" type="xsd:string"/>
-        <xsd:element name="revision" minOccurs="0" maxOccurs="1" type="xsd:string">
-          <xsd:annotation>
-            <xsd:documentation>
-                        This value indicates the number of saves or revisions. The application is responsible for updating this value after each revision.
-                    </xsd:documentation>
-          </xsd:annotation>
-        </xsd:element>
-        <xsd:element name="lastModifiedBy" minOccurs="0" maxOccurs="1" type="xsd:string"/>
-        <xsd:element ref="dcterms:modified" minOccurs="0" maxOccurs="1"/>
-        <xsd:element name="contentStatus" minOccurs="0" maxOccurs="1" type="xsd:string"/>
-      </xsd:all>
-    </xsd:complexType>
-  </xsd:schema>
-  <xs:schema xmlns:pc="http://schemas.microsoft.com/office/infopath/2007/PartnerControls" xmlns:xs="http://www.w3.org/2001/XMLSchema" targetNamespace="http://schemas.microsoft.com/office/infopath/2007/PartnerControls" elementFormDefault="qualified" attributeFormDefault="unqualified">
-    <xs:element name="Person">
-      <xs:complexType>
-        <xs:sequence>
-          <xs:element ref="pc:DisplayName" minOccurs="0"/>
-          <xs:element ref="pc:AccountId" minOccurs="0"/>
-          <xs:element ref="pc:AccountType" minOccurs="0"/>
-        </xs:sequence>
-      </xs:complexType>
-    </xs:element>
-    <xs:element name="DisplayName" type="xs:string"/>
-    <xs:element name="AccountId" type="xs:string"/>
-    <xs:element name="AccountType" type="xs:string"/>
-    <xs:element name="BDCAssociatedEntity">
-      <xs:complexType>
-        <xs:sequence>
-          <xs:element ref="pc:BDCEntity" minOccurs="0" maxOccurs="unbounded"/>
-        </xs:sequence>
-        <xs:attribute ref="pc:EntityNamespace"/>
-        <xs:attribute ref="pc:EntityName"/>
-        <xs:attribute ref="pc:SystemInstanceName"/>
-        <xs:attribute ref="pc:AssociationName"/>
-      </xs:complexType>
-    </xs:element>
-    <xs:attribute name="EntityNamespace" type="xs:string"/>
-    <xs:attribute name="EntityName" type="xs:string"/>
-    <xs:attribute name="SystemInstanceName" type="xs:string"/>
-    <xs:attribute name="AssociationName" type="xs:string"/>
-    <xs:element name="BDCEntity">
-      <xs:complexType>
-        <xs:sequence>
-          <xs:element ref="pc:EntityDisplayName" minOccurs="0"/>
-          <xs:element ref="pc:EntityInstanceReference" minOccurs="0"/>
-          <xs:element ref="pc:EntityId1" minOccurs="0"/>
-          <xs:element ref="pc:EntityId2" minOccurs="0"/>
-          <xs:element ref="pc:EntityId3" minOccurs="0"/>
-          <xs:element ref="pc:EntityId4" minOccurs="0"/>
-          <xs:element ref="pc:EntityId5" minOccurs="0"/>
-        </xs:sequence>
-      </xs:complexType>
-    </xs:element>
-    <xs:element name="EntityDisplayName" type="xs:string"/>
-    <xs:element name="EntityInstanceReference" type="xs:string"/>
-    <xs:element name="EntityId1" type="xs:string"/>
-    <xs:element name="EntityId2" type="xs:string"/>
-    <xs:element name="EntityId3" type="xs:string"/>
-    <xs:element name="EntityId4" type="xs:string"/>
-    <xs:element name="EntityId5" type="xs:string"/>
-    <xs:element name="Terms">
-      <xs:complexType>
-        <xs:sequence>
-          <xs:element ref="pc:TermInfo" minOccurs="0" maxOccurs="unbounded"/>
-        </xs:sequence>
-      </xs:complexType>
-    </xs:element>
-    <xs:element name="TermInfo">
-      <xs:complexType>
-        <xs:sequence>
-          <xs:element ref="pc:TermName" minOccurs="0"/>
-          <xs:element ref="pc:TermId" minOccurs="0"/>
-        </xs:sequence>
-      </xs:complexType>
-    </xs:element>
-    <xs:element name="TermName" type="xs:string"/>
-    <xs:element name="TermId" type="xs:string"/>
-  </xs:schema>
-</ct:contentTypeSchema>
-</file>
-
-<file path=customXml/item2.xml><?xml version="1.0" encoding="utf-8"?>
-<?mso-contentType ?>
-<FormTemplates xmlns="http://schemas.microsoft.com/sharepoint/v3/contenttype/forms">
-  <Display>DocumentLibraryForm</Display>
-  <Edit>DocumentLibraryForm</Edit>
-  <New>DocumentLibraryForm</New>
-</FormTemplates>
-</file>
-
-<file path=customXml/item3.xml><?xml version="1.0" encoding="utf-8"?>
-<p:properties xmlns:p="http://schemas.microsoft.com/office/2006/metadata/properties" xmlns:xsi="http://www.w3.org/2001/XMLSchema-instance" xmlns:pc="http://schemas.microsoft.com/office/infopath/2007/PartnerControls">
-  <documentManagement>
-    <_activity xmlns="a410b0ad-d919-4b57-89f4-82988faf3b3f" xsi:nil="true"/>
-  </documentManagement>
-</p:properties>
-</file>
-
-<file path=customXml/itemProps1.xml><?xml version="1.0" encoding="utf-8"?>
-<ds:datastoreItem xmlns:ds="http://schemas.openxmlformats.org/officeDocument/2006/customXml" ds:itemID="{4B9395F9-D6F9-4301-A333-EC982DA070B3}">
-  <ds:schemaRefs>
-    <ds:schemaRef ds:uri="http://schemas.microsoft.com/office/2006/metadata/contentType"/>
-    <ds:schemaRef ds:uri="http://schemas.microsoft.com/office/2006/metadata/properties/metaAttributes"/>
-    <ds:schemaRef ds:uri="http://www.w3.org/2001/XMLSchema"/>
-    <ds:schemaRef ds:uri="http://schemas.microsoft.com/office/2006/metadata/properties"/>
-    <ds:schemaRef ds:uri="a410b0ad-d919-4b57-89f4-82988faf3b3f"/>
-    <ds:schemaRef ds:uri="cb4497e3-b467-4119-b98a-bc5822791973"/>
-    <ds:schemaRef ds:uri="http://schemas.microsoft.com/office/2006/documentManagement/types"/>
-    <ds:schemaRef ds:uri="http://schemas.microsoft.com/office/infopath/2007/PartnerControls"/>
-    <ds:schemaRef ds:uri="http://schemas.openxmlformats.org/package/2006/metadata/core-properties"/>
-    <ds:schemaRef ds:uri="http://purl.org/dc/elements/1.1/"/>
-    <ds:schemaRef ds:uri="http://purl.org/dc/terms/"/>
-    <ds:schemaRef ds:uri="http://schemas.microsoft.com/internal/obd"/>
-  </ds:schemaRefs>
-</ds:datastoreItem>
-</file>
-
-<file path=customXml/itemProps2.xml><?xml version="1.0" encoding="utf-8"?>
-<ds:datastoreItem xmlns:ds="http://schemas.openxmlformats.org/officeDocument/2006/customXml" ds:itemID="{34BE3695-9E55-4606-881E-F0481B3758D2}">
-  <ds:schemaRefs>
-    <ds:schemaRef ds:uri="http://schemas.microsoft.com/sharepoint/v3/contenttype/forms"/>
-  </ds:schemaRefs>
-</ds:datastoreItem>
-</file>
-
-<file path=customXml/itemProps3.xml><?xml version="1.0" encoding="utf-8"?>
-<ds:datastoreItem xmlns:ds="http://schemas.openxmlformats.org/officeDocument/2006/customXml" ds:itemID="{FC0814FB-0655-425A-A03E-C9821C35D0C6}">
-  <ds:schemaRefs>
-    <ds:schemaRef ds:uri="http://purl.org/dc/terms/"/>
-    <ds:schemaRef ds:uri="cb4497e3-b467-4119-b98a-bc5822791973"/>
-    <ds:schemaRef ds:uri="http://schemas.openxmlformats.org/package/2006/metadata/core-properties"/>
-    <ds:schemaRef ds:uri="http://www.w3.org/XML/1998/namespace"/>
-    <ds:schemaRef ds:uri="a410b0ad-d919-4b57-89f4-82988faf3b3f"/>
-    <ds:schemaRef ds:uri="http://schemas.microsoft.com/office/2006/documentManagement/types"/>
-    <ds:schemaRef ds:uri="http://purl.org/dc/elements/1.1/"/>
-    <ds:schemaRef ds:uri="http://schemas.microsoft.com/office/infopath/2007/PartnerControls"/>
-    <ds:schemaRef ds:uri="http://schemas.microsoft.com/office/2006/metadata/properties"/>
-    <ds:schemaRef ds:uri="http://purl.org/dc/dcmitype/"/>
-  </ds:schemaRefs>
-</ds:datastoreItem>
 </file>